--- a/Language Translator/Team_16_ProjectReview_1.pptx
+++ b/Language Translator/Team_16_ProjectReview_1.pptx
@@ -31,32 +31,25 @@
   <p:notesSz cx="6797675" cy="9874250"/>
   <p:embeddedFontLst>
     <p:embeddedFont>
-      <p:font typeface="Calibri" panose="020F0502020204030204" pitchFamily="34" charset="0"/>
+      <p:font typeface="Century Gothic" panose="020B0502020202020204" pitchFamily="34" charset="0"/>
       <p:regular r:id="rId21"/>
       <p:bold r:id="rId22"/>
       <p:italic r:id="rId23"/>
       <p:boldItalic r:id="rId24"/>
     </p:embeddedFont>
     <p:embeddedFont>
-      <p:font typeface="Century Gothic" panose="020B0502020202020204" pitchFamily="34" charset="0"/>
+      <p:font typeface="Noto Sans" panose="020B0502040504020204" pitchFamily="34" charset="0"/>
       <p:regular r:id="rId25"/>
       <p:bold r:id="rId26"/>
       <p:italic r:id="rId27"/>
       <p:boldItalic r:id="rId28"/>
     </p:embeddedFont>
     <p:embeddedFont>
-      <p:font typeface="Noto Sans" panose="020B0502040504020204" pitchFamily="34" charset="0"/>
+      <p:font typeface="Verdana" panose="020B0604030504040204" pitchFamily="34" charset="0"/>
       <p:regular r:id="rId29"/>
       <p:bold r:id="rId30"/>
       <p:italic r:id="rId31"/>
       <p:boldItalic r:id="rId32"/>
-    </p:embeddedFont>
-    <p:embeddedFont>
-      <p:font typeface="Verdana" panose="020B0604030504040204" pitchFamily="34" charset="0"/>
-      <p:regular r:id="rId33"/>
-      <p:bold r:id="rId34"/>
-      <p:italic r:id="rId35"/>
-      <p:boldItalic r:id="rId36"/>
     </p:embeddedFont>
   </p:embeddedFontLst>
   <p:defaultTextStyle>
@@ -304,7 +297,7 @@
       </p15:sldGuideLst>
     </p:ext>
     <p:ext uri="http://customooxmlschemas.google.com/">
-      <go:slidesCustomData xmlns="" xmlns:mc="http://schemas.openxmlformats.org/markup-compatibility/2006" xmlns:mv="urn:schemas-microsoft-com:mac:vml" xmlns:c="http://schemas.openxmlformats.org/drawingml/2006/chart" xmlns:dgm="http://schemas.openxmlformats.org/drawingml/2006/diagram" xmlns:o="urn:schemas-microsoft-com:office:office" xmlns:v="urn:schemas-microsoft-com:vml" xmlns:pvml="urn:schemas-microsoft-com:office:powerpoint" xmlns:com="http://schemas.openxmlformats.org/drawingml/2006/compatibility" xmlns:p14="http://schemas.microsoft.com/office/powerpoint/2010/main" xmlns:p15="http://schemas.microsoft.com/office/powerpoint/2012/main" xmlns:ahyp="http://schemas.microsoft.com/office/drawing/2018/hyperlinkcolor" xmlns:go="http://customooxmlschemas.google.com/" r:id="rId46" roundtripDataSignature="AMtx7mi/7dIEQRqGyue4BDY0G6w9oNQqFw=="/>
+      <go:slidesCustomData xmlns:go="http://customooxmlschemas.google.com/" xmlns:ahyp="http://schemas.microsoft.com/office/drawing/2018/hyperlinkcolor" xmlns:p15="http://schemas.microsoft.com/office/powerpoint/2012/main" xmlns:p14="http://schemas.microsoft.com/office/powerpoint/2010/main" xmlns:com="http://schemas.openxmlformats.org/drawingml/2006/compatibility" xmlns:pvml="urn:schemas-microsoft-com:office:powerpoint" xmlns:v="urn:schemas-microsoft-com:vml" xmlns:o="urn:schemas-microsoft-com:office:office" xmlns:dgm="http://schemas.openxmlformats.org/drawingml/2006/diagram" xmlns:c="http://schemas.openxmlformats.org/drawingml/2006/chart" xmlns:mv="urn:schemas-microsoft-com:mac:vml" xmlns:mc="http://schemas.openxmlformats.org/markup-compatibility/2006" xmlns="" r:id="rId46" roundtripDataSignature="AMtx7mi/7dIEQRqGyue4BDY0G6w9oNQqFw=="/>
     </p:ext>
   </p:extLst>
 </p:presentation>
@@ -44737,7 +44730,7 @@
         <p:spPr>
           <a:xfrm>
             <a:off x="6333193" y="4711918"/>
-            <a:ext cx="4945200" cy="1261844"/>
+            <a:ext cx="4945200" cy="892512"/>
           </a:xfrm>
           <a:prstGeom prst="rect">
             <a:avLst/>
@@ -44811,47 +44804,14 @@
               <a:buNone/>
             </a:pPr>
             <a:r>
-              <a:rPr lang="en-US" sz="2400" b="0" i="1" u="none" strike="noStrike" cap="none" dirty="0">
+              <a:rPr lang="en-IN" sz="2400" i="1" dirty="0">
                 <a:solidFill>
                   <a:schemeClr val="accent1"/>
                 </a:solidFill>
                 <a:latin typeface="arial"/>
-                <a:ea typeface="arial"/>
                 <a:cs typeface="arial"/>
-                <a:sym typeface="arial"/>
               </a:rPr>
-              <a:t>         Dr. Radhakrishnan</a:t>
-            </a:r>
-          </a:p>
-          <a:p>
-            <a:pPr marL="0" marR="0" lvl="0" indent="0" algn="l" rtl="0">
-              <a:lnSpc>
-                <a:spcPct val="100000"/>
-              </a:lnSpc>
-              <a:spcBef>
-                <a:spcPts val="0"/>
-              </a:spcBef>
-              <a:spcAft>
-                <a:spcPts val="0"/>
-              </a:spcAft>
-              <a:buClr>
-                <a:srgbClr val="CDE585"/>
-              </a:buClr>
-              <a:buSzPts val="1800"/>
-              <a:buFont typeface="arial"/>
-              <a:buNone/>
-            </a:pPr>
-            <a:r>
-              <a:rPr lang="en-US" sz="2400" b="0" i="1" u="none" strike="noStrike" cap="none" dirty="0">
-                <a:solidFill>
-                  <a:schemeClr val="accent1"/>
-                </a:solidFill>
-                <a:latin typeface="arial"/>
-                <a:ea typeface="arial"/>
-                <a:cs typeface="arial"/>
-                <a:sym typeface="arial"/>
-              </a:rPr>
-              <a:t>         Associate Professor</a:t>
+              <a:t>Mrs. Manjula Subramaniam</a:t>
             </a:r>
             <a:endParaRPr lang="en-US" sz="2400" b="0" i="0" u="none" strike="noStrike" cap="none" dirty="0">
               <a:solidFill>
